--- a/XÂY DỰNG HỆ THỐNG QUẢN LÍ THÔNG TIN.pptx
+++ b/XÂY DỰNG HỆ THỐNG QUẢN LÍ THÔNG TIN.pptx
@@ -22,9 +22,10 @@
     <p:sldId id="274" r:id="rId16"/>
     <p:sldId id="275" r:id="rId17"/>
     <p:sldId id="276" r:id="rId18"/>
-    <p:sldId id="267" r:id="rId19"/>
-    <p:sldId id="269" r:id="rId20"/>
-    <p:sldId id="277" r:id="rId21"/>
+    <p:sldId id="280" r:id="rId19"/>
+    <p:sldId id="267" r:id="rId20"/>
+    <p:sldId id="269" r:id="rId21"/>
+    <p:sldId id="277" r:id="rId22"/>
   </p:sldIdLst>
   <p:sldSz cx="12192000" cy="6858000"/>
   <p:notesSz cx="6858000" cy="9144000"/>
@@ -302,7 +303,7 @@
           <a:p>
             <a:fld id="{456793E7-4BF5-49F3-A10A-119A27498A23}" type="datetimeFigureOut">
               <a:rPr lang="en-US" smtClean="0"/>
-              <a:t>16/06/2018</a:t>
+              <a:t>20/06/2018</a:t>
             </a:fld>
             <a:endParaRPr lang="en-US"/>
           </a:p>
@@ -629,7 +630,7 @@
           <a:p>
             <a:fld id="{456793E7-4BF5-49F3-A10A-119A27498A23}" type="datetimeFigureOut">
               <a:rPr lang="en-US" smtClean="0"/>
-              <a:t>16/06/2018</a:t>
+              <a:t>20/06/2018</a:t>
             </a:fld>
             <a:endParaRPr lang="en-US"/>
           </a:p>
@@ -863,7 +864,7 @@
           <a:p>
             <a:fld id="{456793E7-4BF5-49F3-A10A-119A27498A23}" type="datetimeFigureOut">
               <a:rPr lang="en-US" smtClean="0"/>
-              <a:t>16/06/2018</a:t>
+              <a:t>20/06/2018</a:t>
             </a:fld>
             <a:endParaRPr lang="en-US"/>
           </a:p>
@@ -1166,7 +1167,7 @@
           <a:p>
             <a:fld id="{456793E7-4BF5-49F3-A10A-119A27498A23}" type="datetimeFigureOut">
               <a:rPr lang="en-US" smtClean="0"/>
-              <a:t>16/06/2018</a:t>
+              <a:t>20/06/2018</a:t>
             </a:fld>
             <a:endParaRPr lang="en-US"/>
           </a:p>
@@ -1632,7 +1633,7 @@
           <a:p>
             <a:fld id="{456793E7-4BF5-49F3-A10A-119A27498A23}" type="datetimeFigureOut">
               <a:rPr lang="en-US" smtClean="0"/>
-              <a:t>16/06/2018</a:t>
+              <a:t>20/06/2018</a:t>
             </a:fld>
             <a:endParaRPr lang="en-US"/>
           </a:p>
@@ -2220,7 +2221,7 @@
           <a:p>
             <a:fld id="{456793E7-4BF5-49F3-A10A-119A27498A23}" type="datetimeFigureOut">
               <a:rPr lang="en-US" smtClean="0"/>
-              <a:t>16/06/2018</a:t>
+              <a:t>20/06/2018</a:t>
             </a:fld>
             <a:endParaRPr lang="en-US"/>
           </a:p>
@@ -3093,7 +3094,7 @@
           <a:p>
             <a:fld id="{456793E7-4BF5-49F3-A10A-119A27498A23}" type="datetimeFigureOut">
               <a:rPr lang="en-US" smtClean="0"/>
-              <a:t>16/06/2018</a:t>
+              <a:t>20/06/2018</a:t>
             </a:fld>
             <a:endParaRPr lang="en-US"/>
           </a:p>
@@ -3310,7 +3311,7 @@
           <a:p>
             <a:fld id="{456793E7-4BF5-49F3-A10A-119A27498A23}" type="datetimeFigureOut">
               <a:rPr lang="en-US" smtClean="0"/>
-              <a:t>16/06/2018</a:t>
+              <a:t>20/06/2018</a:t>
             </a:fld>
             <a:endParaRPr lang="en-US"/>
           </a:p>
@@ -3536,7 +3537,7 @@
           <a:p>
             <a:fld id="{456793E7-4BF5-49F3-A10A-119A27498A23}" type="datetimeFigureOut">
               <a:rPr lang="en-US" smtClean="0"/>
-              <a:t>16/06/2018</a:t>
+              <a:t>20/06/2018</a:t>
             </a:fld>
             <a:endParaRPr lang="en-US"/>
           </a:p>
@@ -3753,7 +3754,7 @@
           <a:p>
             <a:fld id="{456793E7-4BF5-49F3-A10A-119A27498A23}" type="datetimeFigureOut">
               <a:rPr lang="en-US" smtClean="0"/>
-              <a:t>16/06/2018</a:t>
+              <a:t>20/06/2018</a:t>
             </a:fld>
             <a:endParaRPr lang="en-US"/>
           </a:p>
@@ -4045,7 +4046,7 @@
           <a:p>
             <a:fld id="{456793E7-4BF5-49F3-A10A-119A27498A23}" type="datetimeFigureOut">
               <a:rPr lang="en-US" smtClean="0"/>
-              <a:t>16/06/2018</a:t>
+              <a:t>20/06/2018</a:t>
             </a:fld>
             <a:endParaRPr lang="en-US"/>
           </a:p>
@@ -4324,7 +4325,7 @@
           <a:p>
             <a:fld id="{456793E7-4BF5-49F3-A10A-119A27498A23}" type="datetimeFigureOut">
               <a:rPr lang="en-US" smtClean="0"/>
-              <a:t>16/06/2018</a:t>
+              <a:t>20/06/2018</a:t>
             </a:fld>
             <a:endParaRPr lang="en-US"/>
           </a:p>
@@ -4751,7 +4752,7 @@
           <a:p>
             <a:fld id="{456793E7-4BF5-49F3-A10A-119A27498A23}" type="datetimeFigureOut">
               <a:rPr lang="en-US" smtClean="0"/>
-              <a:t>16/06/2018</a:t>
+              <a:t>20/06/2018</a:t>
             </a:fld>
             <a:endParaRPr lang="en-US"/>
           </a:p>
@@ -4911,7 +4912,7 @@
           <a:p>
             <a:fld id="{456793E7-4BF5-49F3-A10A-119A27498A23}" type="datetimeFigureOut">
               <a:rPr lang="en-US" smtClean="0"/>
-              <a:t>16/06/2018</a:t>
+              <a:t>20/06/2018</a:t>
             </a:fld>
             <a:endParaRPr lang="en-US"/>
           </a:p>
@@ -5048,7 +5049,7 @@
           <a:p>
             <a:fld id="{456793E7-4BF5-49F3-A10A-119A27498A23}" type="datetimeFigureOut">
               <a:rPr lang="en-US" smtClean="0"/>
-              <a:t>16/06/2018</a:t>
+              <a:t>20/06/2018</a:t>
             </a:fld>
             <a:endParaRPr lang="en-US"/>
           </a:p>
@@ -5339,7 +5340,7 @@
           <a:p>
             <a:fld id="{456793E7-4BF5-49F3-A10A-119A27498A23}" type="datetimeFigureOut">
               <a:rPr lang="en-US" smtClean="0"/>
-              <a:t>16/06/2018</a:t>
+              <a:t>20/06/2018</a:t>
             </a:fld>
             <a:endParaRPr lang="en-US"/>
           </a:p>
@@ -5666,7 +5667,7 @@
           <a:p>
             <a:fld id="{456793E7-4BF5-49F3-A10A-119A27498A23}" type="datetimeFigureOut">
               <a:rPr lang="en-US" smtClean="0"/>
-              <a:t>16/06/2018</a:t>
+              <a:t>20/06/2018</a:t>
             </a:fld>
             <a:endParaRPr lang="en-US"/>
           </a:p>
@@ -5931,7 +5932,7 @@
           <a:p>
             <a:fld id="{456793E7-4BF5-49F3-A10A-119A27498A23}" type="datetimeFigureOut">
               <a:rPr lang="en-US" smtClean="0"/>
-              <a:t>16/06/2018</a:t>
+              <a:t>20/06/2018</a:t>
             </a:fld>
             <a:endParaRPr lang="en-US"/>
           </a:p>
@@ -6430,7 +6431,7 @@
                 <a:cs typeface="Times New Roman" panose="02020603050405020304" pitchFamily="18" charset="0"/>
                 <a:sym typeface="Nixie One"/>
               </a:rPr>
-              <a:t>XÂY DỰNG HỆ THỐNG QUẢN LÍ THÔNG TIN CHO TRUNG TÂM ĐÀO TẠO</a:t>
+              <a:t>XÂY DỰNG HỆ THỐNG QUẢN LÝ THÔNG TIN CHO TRUNG TÂM ĐÀO TẠO</a:t>
             </a:r>
           </a:p>
         </p:txBody>
@@ -7140,7 +7141,7 @@
                 <a:latin typeface="Times New Roman" panose="02020603050405020304" pitchFamily="18" charset="0"/>
                 <a:cs typeface="Times New Roman" panose="02020603050405020304" pitchFamily="18" charset="0"/>
               </a:rPr>
-              <a:t> Flipster, CanvasJs, Smart-Table, Sweet Alert, Toaster để hiện thực giao diện</a:t>
+              <a:t> Flipster, CanvasJs, Smart-Table, Sweet Alert, Toaster để hiện thực giao diện.</a:t>
             </a:r>
           </a:p>
           <a:p>
@@ -7157,7 +7158,7 @@
                 <a:latin typeface="Times New Roman" panose="02020603050405020304" pitchFamily="18" charset="0"/>
                 <a:cs typeface="Times New Roman" panose="02020603050405020304" pitchFamily="18" charset="0"/>
               </a:rPr>
-              <a:t>-  Kết hợp các framework AngularJs (Javascript), Bootstrap (CSS) cùng kiến trúc MVC của Laravel</a:t>
+              <a:t>-  Kết hợp các framework AngularJs (Javascript), Bootstrap (CSS) cùng kiến trúc MVC của Laravel.</a:t>
             </a:r>
           </a:p>
         </p:txBody>
@@ -8405,10 +8406,10 @@
       </p:grpSpPr>
       <p:sp>
         <p:nvSpPr>
-          <p:cNvPr id="2" name="Title 1">
+          <p:cNvPr id="6" name="Title 1">
             <a:extLst>
               <a:ext uri="{FF2B5EF4-FFF2-40B4-BE49-F238E27FC236}">
-                <a16:creationId xmlns:a16="http://schemas.microsoft.com/office/drawing/2014/main" id="{3D0CB768-A864-4A6B-A03A-4773F0ED6A3A}"/>
+                <a16:creationId xmlns:a16="http://schemas.microsoft.com/office/drawing/2014/main" id="{389D9AEA-7C2B-4FD1-96D2-F17BA55DC204}"/>
               </a:ext>
             </a:extLst>
           </p:cNvPr>
@@ -8441,380 +8442,29 @@
                 <a:ea typeface="+mn-ea"/>
                 <a:cs typeface="Times New Roman" panose="02020603050405020304" pitchFamily="18" charset="0"/>
               </a:rPr>
-              <a:t>Tổng kết – đánh giá</a:t>
-            </a:r>
-          </a:p>
-        </p:txBody>
-      </p:sp>
-      <p:sp>
-        <p:nvSpPr>
-          <p:cNvPr id="3" name="Shape 190">
-            <a:extLst>
-              <a:ext uri="{FF2B5EF4-FFF2-40B4-BE49-F238E27FC236}">
-                <a16:creationId xmlns:a16="http://schemas.microsoft.com/office/drawing/2014/main" id="{2D5ED5ED-2B8A-44CA-BA8E-7CA000B89C3A}"/>
-              </a:ext>
-            </a:extLst>
-          </p:cNvPr>
-          <p:cNvSpPr txBox="1"/>
-          <p:nvPr/>
-        </p:nvSpPr>
-        <p:spPr>
-          <a:xfrm>
-            <a:off x="1023734" y="2187022"/>
-            <a:ext cx="4760843" cy="2483955"/>
-          </a:xfrm>
-          <a:prstGeom prst="rect">
-            <a:avLst/>
-          </a:prstGeom>
-          <a:noFill/>
-          <a:ln>
-            <a:noFill/>
-          </a:ln>
-        </p:spPr>
-        <p:txBody>
-          <a:bodyPr wrap="square" lIns="91425" tIns="91425" rIns="91425" bIns="91425" anchor="t" anchorCtr="0">
-            <a:noAutofit/>
-          </a:bodyPr>
-          <a:lstStyle/>
-          <a:p>
-            <a:pPr marL="0" lvl="0" indent="0" rtl="0">
-              <a:lnSpc>
-                <a:spcPct val="150000"/>
-              </a:lnSpc>
-              <a:spcBef>
-                <a:spcPts val="600"/>
-              </a:spcBef>
-              <a:buNone/>
-            </a:pPr>
-            <a:r>
-              <a:rPr lang="en-US" sz="2400" b="1">
-                <a:solidFill>
-                  <a:srgbClr val="E8004C"/>
-                </a:solidFill>
-                <a:latin typeface="Varela Round"/>
-                <a:ea typeface="Varela Round"/>
-                <a:cs typeface="Varela Round"/>
-                <a:sym typeface="Varela Round"/>
-              </a:rPr>
-              <a:t>Quản lý</a:t>
-            </a:r>
-            <a:endParaRPr lang="en" sz="1050" b="1" dirty="0">
-              <a:solidFill>
-                <a:srgbClr val="E8004C"/>
-              </a:solidFill>
-              <a:latin typeface="Varela Round"/>
-              <a:ea typeface="Varela Round"/>
-              <a:cs typeface="Varela Round"/>
-              <a:sym typeface="Varela Round"/>
-            </a:endParaRPr>
-          </a:p>
-          <a:p>
-            <a:pPr lvl="0">
-              <a:spcBef>
-                <a:spcPts val="600"/>
-              </a:spcBef>
-            </a:pPr>
-            <a:r>
-              <a:rPr lang="en-US">
+              <a:t>Demo ch</a:t>
+            </a:r>
+            <a:r>
+              <a:rPr lang="vi-VN" sz="3200">
                 <a:solidFill>
                   <a:srgbClr val="617A86"/>
                 </a:solidFill>
-                <a:latin typeface="Varela Round"/>
-                <a:cs typeface="Varela Round"/>
-                <a:sym typeface="Varela Round"/>
-              </a:rPr>
-              <a:t>-  Quản lý chung nhân viên văn phòng, giáo viên và trợ giảng</a:t>
-            </a:r>
-          </a:p>
-          <a:p>
-            <a:pPr lvl="0">
-              <a:spcBef>
-                <a:spcPts val="600"/>
-              </a:spcBef>
-            </a:pPr>
-            <a:r>
-              <a:rPr lang="en-US">
-                <a:solidFill>
-                  <a:srgbClr val="617A86"/>
-                </a:solidFill>
-                <a:latin typeface="Varela Round"/>
-                <a:cs typeface="Varela Round"/>
-                <a:sym typeface="Varela Round"/>
-              </a:rPr>
-              <a:t>-  Xếp lịch học, giáo viên, trợ giảng cho các lớp học</a:t>
-            </a:r>
-          </a:p>
-          <a:p>
-            <a:pPr lvl="0">
-              <a:spcBef>
-                <a:spcPts val="600"/>
-              </a:spcBef>
-            </a:pPr>
-            <a:r>
-              <a:rPr lang="en-US">
-                <a:solidFill>
-                  <a:srgbClr val="617A86"/>
-                </a:solidFill>
-                <a:latin typeface="Varela Round"/>
-                <a:sym typeface="Varela Round"/>
-              </a:rPr>
-              <a:t>-  Xem thống kê theo nhiều loại biều đồ, nhiều loại thông tin khác nhau</a:t>
-            </a:r>
-            <a:endParaRPr lang="vi-VN" dirty="0">
-              <a:solidFill>
-                <a:srgbClr val="617A86"/>
-              </a:solidFill>
-              <a:latin typeface="Varela Round"/>
-              <a:sym typeface="Varela Round"/>
-            </a:endParaRPr>
-          </a:p>
-          <a:p>
-            <a:pPr marL="457200" lvl="0" indent="-381000">
-              <a:buClr>
-                <a:srgbClr val="A1BECC"/>
-              </a:buClr>
-              <a:buSzPts val="2400"/>
-              <a:buFont typeface="Varela Round"/>
-              <a:buChar char="◎"/>
-            </a:pPr>
-            <a:endParaRPr lang="en" sz="1300" dirty="0">
-              <a:solidFill>
-                <a:srgbClr val="617A86"/>
-              </a:solidFill>
-              <a:latin typeface="Varela Round"/>
-              <a:cs typeface="Varela Round"/>
-              <a:sym typeface="Varela Round"/>
-            </a:endParaRPr>
-          </a:p>
-          <a:p>
-            <a:pPr marL="0" lvl="0" indent="0" rtl="0">
-              <a:lnSpc>
-                <a:spcPct val="150000"/>
-              </a:lnSpc>
-              <a:spcBef>
-                <a:spcPts val="600"/>
-              </a:spcBef>
-              <a:buNone/>
-            </a:pPr>
-            <a:endParaRPr sz="1300" dirty="0">
-              <a:solidFill>
-                <a:srgbClr val="617A86"/>
-              </a:solidFill>
-              <a:latin typeface="Varela Round"/>
-              <a:ea typeface="Varela Round"/>
-              <a:cs typeface="Varela Round"/>
-              <a:sym typeface="Varela Round"/>
-            </a:endParaRPr>
-          </a:p>
-        </p:txBody>
-      </p:sp>
-      <p:sp>
-        <p:nvSpPr>
-          <p:cNvPr id="4" name="Shape 190">
-            <a:extLst>
-              <a:ext uri="{FF2B5EF4-FFF2-40B4-BE49-F238E27FC236}">
-                <a16:creationId xmlns:a16="http://schemas.microsoft.com/office/drawing/2014/main" id="{C8D72F41-A787-4115-8196-98EF98A81359}"/>
-              </a:ext>
-            </a:extLst>
-          </p:cNvPr>
-          <p:cNvSpPr txBox="1"/>
-          <p:nvPr/>
-        </p:nvSpPr>
-        <p:spPr>
-          <a:xfrm>
-            <a:off x="6407425" y="2187022"/>
-            <a:ext cx="4760843" cy="2026754"/>
-          </a:xfrm>
-          <a:prstGeom prst="rect">
-            <a:avLst/>
-          </a:prstGeom>
-          <a:noFill/>
-          <a:ln>
-            <a:noFill/>
-          </a:ln>
-        </p:spPr>
-        <p:txBody>
-          <a:bodyPr wrap="square" lIns="91425" tIns="91425" rIns="91425" bIns="91425" anchor="t" anchorCtr="0">
-            <a:noAutofit/>
-          </a:bodyPr>
-          <a:lstStyle/>
-          <a:p>
-            <a:pPr marL="0" lvl="0" indent="0" rtl="0">
-              <a:lnSpc>
-                <a:spcPct val="150000"/>
-              </a:lnSpc>
-              <a:spcBef>
-                <a:spcPts val="600"/>
-              </a:spcBef>
-              <a:buNone/>
-            </a:pPr>
-            <a:r>
-              <a:rPr lang="en-US" sz="2400" b="1">
-                <a:solidFill>
-                  <a:srgbClr val="E8004C"/>
-                </a:solidFill>
-                <a:latin typeface="Varela Round"/>
-                <a:ea typeface="Varela Round"/>
-                <a:cs typeface="Varela Round"/>
-                <a:sym typeface="Varela Round"/>
-              </a:rPr>
-              <a:t>Ng</a:t>
-            </a:r>
-            <a:r>
-              <a:rPr lang="vi-VN" sz="2400" b="1">
-                <a:solidFill>
-                  <a:srgbClr val="E8004C"/>
-                </a:solidFill>
-                <a:latin typeface="Varela Round"/>
-                <a:ea typeface="Varela Round"/>
-                <a:cs typeface="Varela Round"/>
-                <a:sym typeface="Varela Round"/>
+                <a:latin typeface="Times New Roman" panose="02020603050405020304" pitchFamily="18" charset="0"/>
+                <a:ea typeface="+mn-ea"/>
+                <a:cs typeface="Times New Roman" panose="02020603050405020304" pitchFamily="18" charset="0"/>
               </a:rPr>
               <a:t>ư</a:t>
             </a:r>
             <a:r>
-              <a:rPr lang="en-US" sz="2400" b="1">
-                <a:solidFill>
-                  <a:srgbClr val="E8004C"/>
-                </a:solidFill>
-                <a:latin typeface="Varela Round"/>
-                <a:ea typeface="Varela Round"/>
-                <a:cs typeface="Varela Round"/>
-                <a:sym typeface="Varela Round"/>
-              </a:rPr>
-              <a:t>ời dùng</a:t>
-            </a:r>
-            <a:endParaRPr lang="en" sz="1050" b="1" dirty="0">
-              <a:solidFill>
-                <a:srgbClr val="E8004C"/>
-              </a:solidFill>
-              <a:latin typeface="Varela Round"/>
-              <a:ea typeface="Varela Round"/>
-              <a:cs typeface="Varela Round"/>
-              <a:sym typeface="Varela Round"/>
-            </a:endParaRPr>
-          </a:p>
-          <a:p>
-            <a:pPr lvl="0">
-              <a:spcBef>
-                <a:spcPts val="600"/>
-              </a:spcBef>
-            </a:pPr>
-            <a:r>
-              <a:rPr lang="en-US">
+              <a:rPr lang="en-US" sz="3200">
                 <a:solidFill>
                   <a:srgbClr val="617A86"/>
                 </a:solidFill>
-                <a:latin typeface="Varela Round"/>
-                <a:cs typeface="Varela Round"/>
-                <a:sym typeface="Varela Round"/>
-              </a:rPr>
-              <a:t>-  Giáo viên có thể xem lịch dạy, tình hình giảng dạy, nhập điểm và nhận xét học viên</a:t>
-            </a:r>
-          </a:p>
-          <a:p>
-            <a:pPr lvl="0">
-              <a:spcBef>
-                <a:spcPts val="600"/>
-              </a:spcBef>
-            </a:pPr>
-            <a:r>
-              <a:rPr lang="en-US">
-                <a:solidFill>
-                  <a:srgbClr val="617A86"/>
-                </a:solidFill>
-                <a:latin typeface="Varela Round"/>
-                <a:cs typeface="Varela Round"/>
-                <a:sym typeface="Varela Round"/>
-              </a:rPr>
-              <a:t>-  Học viên đăng ký học xong sẽ có thể xem lịch học, lịch thi</a:t>
-            </a:r>
-            <a:endParaRPr lang="vi-VN" sz="1300" dirty="0">
-              <a:solidFill>
-                <a:srgbClr val="617A86"/>
-              </a:solidFill>
-              <a:latin typeface="Varela Round"/>
-              <a:cs typeface="Varela Round"/>
-              <a:sym typeface="Varela Round"/>
-            </a:endParaRPr>
-          </a:p>
-          <a:p>
-            <a:pPr marL="457200" lvl="0" indent="-381000">
-              <a:buClr>
-                <a:srgbClr val="A1BECC"/>
-              </a:buClr>
-              <a:buSzPts val="2400"/>
-              <a:buFont typeface="Varela Round"/>
-              <a:buChar char="◎"/>
-            </a:pPr>
-            <a:endParaRPr lang="en" sz="1300" dirty="0">
-              <a:solidFill>
-                <a:srgbClr val="617A86"/>
-              </a:solidFill>
-              <a:latin typeface="Varela Round"/>
-              <a:cs typeface="Varela Round"/>
-              <a:sym typeface="Varela Round"/>
-            </a:endParaRPr>
-          </a:p>
-          <a:p>
-            <a:pPr marL="0" lvl="0" indent="0" rtl="0">
-              <a:lnSpc>
-                <a:spcPct val="150000"/>
-              </a:lnSpc>
-              <a:spcBef>
-                <a:spcPts val="600"/>
-              </a:spcBef>
-              <a:buNone/>
-            </a:pPr>
-            <a:endParaRPr sz="1300" dirty="0">
-              <a:solidFill>
-                <a:srgbClr val="617A86"/>
-              </a:solidFill>
-              <a:latin typeface="Varela Round"/>
-              <a:ea typeface="Varela Round"/>
-              <a:cs typeface="Varela Round"/>
-              <a:sym typeface="Varela Round"/>
-            </a:endParaRPr>
-          </a:p>
-        </p:txBody>
-      </p:sp>
-      <p:sp>
-        <p:nvSpPr>
-          <p:cNvPr id="5" name="TextBox 4">
-            <a:extLst>
-              <a:ext uri="{FF2B5EF4-FFF2-40B4-BE49-F238E27FC236}">
-                <a16:creationId xmlns:a16="http://schemas.microsoft.com/office/drawing/2014/main" id="{99D78DE3-1CD5-4A75-971A-7C2042BD85CA}"/>
-              </a:ext>
-            </a:extLst>
-          </p:cNvPr>
-          <p:cNvSpPr txBox="1"/>
-          <p:nvPr/>
-        </p:nvSpPr>
-        <p:spPr>
-          <a:xfrm>
-            <a:off x="1480930" y="1484244"/>
-            <a:ext cx="3962400" cy="400110"/>
-          </a:xfrm>
-          <a:prstGeom prst="rect">
-            <a:avLst/>
-          </a:prstGeom>
-          <a:noFill/>
-        </p:spPr>
-        <p:txBody>
-          <a:bodyPr wrap="square" rtlCol="0">
-            <a:spAutoFit/>
-          </a:bodyPr>
-          <a:lstStyle/>
-          <a:p>
-            <a:r>
-              <a:rPr lang="en-US" sz="2000">
-                <a:solidFill>
-                  <a:srgbClr val="617A86"/>
-                </a:solidFill>
                 <a:latin typeface="Times New Roman" panose="02020603050405020304" pitchFamily="18" charset="0"/>
+                <a:ea typeface="+mn-ea"/>
                 <a:cs typeface="Times New Roman" panose="02020603050405020304" pitchFamily="18" charset="0"/>
               </a:rPr>
-              <a:t>TÍNH NĂNG NỔI BẬT</a:t>
+              <a:t>ơng trình</a:t>
             </a:r>
           </a:p>
         </p:txBody>
@@ -8822,7 +8472,7 @@
     </p:spTree>
     <p:extLst>
       <p:ext uri="{BB962C8B-B14F-4D97-AF65-F5344CB8AC3E}">
-        <p14:creationId xmlns:p14="http://schemas.microsoft.com/office/powerpoint/2010/main" val="3308313466"/>
+        <p14:creationId xmlns:p14="http://schemas.microsoft.com/office/powerpoint/2010/main" val="2978274453"/>
       </p:ext>
     </p:extLst>
   </p:cSld>
@@ -8863,147 +8513,10 @@
       </p:grpSpPr>
       <p:sp>
         <p:nvSpPr>
-          <p:cNvPr id="3" name="TextBox 2">
+          <p:cNvPr id="2" name="Title 1">
             <a:extLst>
               <a:ext uri="{FF2B5EF4-FFF2-40B4-BE49-F238E27FC236}">
-                <a16:creationId xmlns:a16="http://schemas.microsoft.com/office/drawing/2014/main" id="{0B322055-FCAE-4B5B-B8EC-BD7F1BFC063F}"/>
-              </a:ext>
-            </a:extLst>
-          </p:cNvPr>
-          <p:cNvSpPr txBox="1"/>
-          <p:nvPr/>
-        </p:nvSpPr>
-        <p:spPr>
-          <a:xfrm>
-            <a:off x="1480930" y="1974574"/>
-            <a:ext cx="8719930" cy="1891287"/>
-          </a:xfrm>
-          <a:prstGeom prst="rect">
-            <a:avLst/>
-          </a:prstGeom>
-          <a:noFill/>
-        </p:spPr>
-        <p:txBody>
-          <a:bodyPr wrap="square" rtlCol="0">
-            <a:spAutoFit/>
-          </a:bodyPr>
-          <a:lstStyle/>
-          <a:p>
-            <a:pPr marL="285750" indent="-285750">
-              <a:lnSpc>
-                <a:spcPct val="150000"/>
-              </a:lnSpc>
-              <a:buFontTx/>
-              <a:buChar char="-"/>
-            </a:pPr>
-            <a:r>
-              <a:rPr lang="en-US" sz="2000">
-                <a:solidFill>
-                  <a:srgbClr val="617A86"/>
-                </a:solidFill>
-                <a:latin typeface="Varela Round"/>
-              </a:rPr>
-              <a:t>Tối </a:t>
-            </a:r>
-            <a:r>
-              <a:rPr lang="vi-VN" sz="2000">
-                <a:solidFill>
-                  <a:srgbClr val="617A86"/>
-                </a:solidFill>
-                <a:latin typeface="Varela Round"/>
-              </a:rPr>
-              <a:t>ư</a:t>
-            </a:r>
-            <a:r>
-              <a:rPr lang="en-US" sz="2000">
-                <a:solidFill>
-                  <a:srgbClr val="617A86"/>
-                </a:solidFill>
-                <a:latin typeface="Varela Round"/>
-              </a:rPr>
-              <a:t>u hiển thị cho các thiết bị di động</a:t>
-            </a:r>
-          </a:p>
-          <a:p>
-            <a:pPr marL="285750" indent="-285750">
-              <a:lnSpc>
-                <a:spcPct val="150000"/>
-              </a:lnSpc>
-              <a:buFontTx/>
-              <a:buChar char="-"/>
-            </a:pPr>
-            <a:r>
-              <a:rPr lang="en-US" sz="2000">
-                <a:solidFill>
-                  <a:srgbClr val="617A86"/>
-                </a:solidFill>
-                <a:latin typeface="Varela Round"/>
-              </a:rPr>
-              <a:t>Tích hợp tính năng thanh toán trực tuyến</a:t>
-            </a:r>
-          </a:p>
-          <a:p>
-            <a:pPr marL="285750" indent="-285750">
-              <a:lnSpc>
-                <a:spcPct val="150000"/>
-              </a:lnSpc>
-              <a:buFontTx/>
-              <a:buChar char="-"/>
-            </a:pPr>
-            <a:r>
-              <a:rPr lang="en-US" sz="2000">
-                <a:solidFill>
-                  <a:srgbClr val="617A86"/>
-                </a:solidFill>
-                <a:latin typeface="Varela Round"/>
-              </a:rPr>
-              <a:t>Thêm chức năng ng</a:t>
-            </a:r>
-            <a:r>
-              <a:rPr lang="vi-VN" sz="2000">
-                <a:solidFill>
-                  <a:srgbClr val="617A86"/>
-                </a:solidFill>
-                <a:latin typeface="Varela Round"/>
-              </a:rPr>
-              <a:t>ư</a:t>
-            </a:r>
-            <a:r>
-              <a:rPr lang="en-US" sz="2000">
-                <a:solidFill>
-                  <a:srgbClr val="617A86"/>
-                </a:solidFill>
-                <a:latin typeface="Varela Round"/>
-              </a:rPr>
-              <a:t>ời dùng phụ huynh</a:t>
-            </a:r>
-          </a:p>
-          <a:p>
-            <a:pPr marL="285750" indent="-285750">
-              <a:lnSpc>
-                <a:spcPct val="150000"/>
-              </a:lnSpc>
-              <a:buFontTx/>
-              <a:buChar char="-"/>
-            </a:pPr>
-            <a:r>
-              <a:rPr lang="en-US" sz="2000">
-                <a:solidFill>
-                  <a:srgbClr val="617A86"/>
-                </a:solidFill>
-                <a:latin typeface="Varela Round"/>
-              </a:rPr>
-              <a:t>Tích hợp tính năng làm bài kiểm tra trực tuyến cho học viên</a:t>
-            </a:r>
-          </a:p>
-        </p:txBody>
-      </p:sp>
-      <p:sp>
-        <p:nvSpPr>
-          <p:cNvPr id="6" name="Title 1">
-            <a:extLst>
-              <a:ext uri="{FF2B5EF4-FFF2-40B4-BE49-F238E27FC236}">
-                <a16:creationId xmlns:a16="http://schemas.microsoft.com/office/drawing/2014/main" id="{DF87A602-7957-4F2F-B8EE-D7B8C32B7900}"/>
+                <a16:creationId xmlns:a16="http://schemas.microsoft.com/office/drawing/2014/main" id="{3D0CB768-A864-4A6B-A03A-4773F0ED6A3A}"/>
               </a:ext>
             </a:extLst>
           </p:cNvPr>
@@ -9043,10 +8556,10 @@
       </p:sp>
       <p:sp>
         <p:nvSpPr>
-          <p:cNvPr id="7" name="TextBox 6">
+          <p:cNvPr id="3" name="Shape 190">
             <a:extLst>
               <a:ext uri="{FF2B5EF4-FFF2-40B4-BE49-F238E27FC236}">
-                <a16:creationId xmlns:a16="http://schemas.microsoft.com/office/drawing/2014/main" id="{589E842D-432A-48B2-8386-18A64BF6D126}"/>
+                <a16:creationId xmlns:a16="http://schemas.microsoft.com/office/drawing/2014/main" id="{2D5ED5ED-2B8A-44CA-BA8E-7CA000B89C3A}"/>
               </a:ext>
             </a:extLst>
           </p:cNvPr>
@@ -9055,13 +8568,345 @@
         </p:nvSpPr>
         <p:spPr>
           <a:xfrm>
-            <a:off x="1480930" y="1484244"/>
-            <a:ext cx="3962400" cy="400110"/>
+            <a:off x="1023734" y="2187022"/>
+            <a:ext cx="4760843" cy="2483955"/>
           </a:xfrm>
           <a:prstGeom prst="rect">
             <a:avLst/>
           </a:prstGeom>
           <a:noFill/>
+          <a:ln>
+            <a:noFill/>
+          </a:ln>
+        </p:spPr>
+        <p:txBody>
+          <a:bodyPr wrap="square" lIns="91425" tIns="91425" rIns="91425" bIns="91425" anchor="t" anchorCtr="0">
+            <a:noAutofit/>
+          </a:bodyPr>
+          <a:lstStyle/>
+          <a:p>
+            <a:pPr marL="0" lvl="0" indent="0" rtl="0">
+              <a:lnSpc>
+                <a:spcPct val="150000"/>
+              </a:lnSpc>
+              <a:spcBef>
+                <a:spcPts val="600"/>
+              </a:spcBef>
+              <a:buNone/>
+            </a:pPr>
+            <a:r>
+              <a:rPr lang="en-US" sz="2400" b="1">
+                <a:solidFill>
+                  <a:srgbClr val="E8004C"/>
+                </a:solidFill>
+                <a:latin typeface="Varela Round"/>
+                <a:ea typeface="Varela Round"/>
+                <a:cs typeface="Varela Round"/>
+                <a:sym typeface="Varela Round"/>
+              </a:rPr>
+              <a:t>Quản lý</a:t>
+            </a:r>
+            <a:endParaRPr lang="en" sz="1050" b="1" dirty="0">
+              <a:solidFill>
+                <a:srgbClr val="E8004C"/>
+              </a:solidFill>
+              <a:latin typeface="Varela Round"/>
+              <a:ea typeface="Varela Round"/>
+              <a:cs typeface="Varela Round"/>
+              <a:sym typeface="Varela Round"/>
+            </a:endParaRPr>
+          </a:p>
+          <a:p>
+            <a:pPr lvl="0">
+              <a:spcBef>
+                <a:spcPts val="600"/>
+              </a:spcBef>
+            </a:pPr>
+            <a:r>
+              <a:rPr lang="en-US">
+                <a:solidFill>
+                  <a:srgbClr val="617A86"/>
+                </a:solidFill>
+                <a:latin typeface="Varela Round"/>
+                <a:cs typeface="Varela Round"/>
+                <a:sym typeface="Varela Round"/>
+              </a:rPr>
+              <a:t>-  Quản lý chung nhân viên văn phòng, giáo viên và trợ giảng</a:t>
+            </a:r>
+          </a:p>
+          <a:p>
+            <a:pPr lvl="0">
+              <a:spcBef>
+                <a:spcPts val="600"/>
+              </a:spcBef>
+            </a:pPr>
+            <a:r>
+              <a:rPr lang="en-US">
+                <a:solidFill>
+                  <a:srgbClr val="617A86"/>
+                </a:solidFill>
+                <a:latin typeface="Varela Round"/>
+                <a:cs typeface="Varela Round"/>
+                <a:sym typeface="Varela Round"/>
+              </a:rPr>
+              <a:t>-  Xếp lịch học, giáo viên, trợ giảng cho các lớp học</a:t>
+            </a:r>
+          </a:p>
+          <a:p>
+            <a:pPr lvl="0">
+              <a:spcBef>
+                <a:spcPts val="600"/>
+              </a:spcBef>
+            </a:pPr>
+            <a:r>
+              <a:rPr lang="en-US">
+                <a:solidFill>
+                  <a:srgbClr val="617A86"/>
+                </a:solidFill>
+                <a:latin typeface="Varela Round"/>
+                <a:sym typeface="Varela Round"/>
+              </a:rPr>
+              <a:t>-  Xem thống kê theo nhiều loại biều đồ, nhiều loại thông tin khác nhau</a:t>
+            </a:r>
+            <a:endParaRPr lang="vi-VN" dirty="0">
+              <a:solidFill>
+                <a:srgbClr val="617A86"/>
+              </a:solidFill>
+              <a:latin typeface="Varela Round"/>
+              <a:sym typeface="Varela Round"/>
+            </a:endParaRPr>
+          </a:p>
+          <a:p>
+            <a:pPr marL="457200" lvl="0" indent="-381000">
+              <a:buClr>
+                <a:srgbClr val="A1BECC"/>
+              </a:buClr>
+              <a:buSzPts val="2400"/>
+              <a:buFont typeface="Varela Round"/>
+              <a:buChar char="◎"/>
+            </a:pPr>
+            <a:endParaRPr lang="en" sz="1300" dirty="0">
+              <a:solidFill>
+                <a:srgbClr val="617A86"/>
+              </a:solidFill>
+              <a:latin typeface="Varela Round"/>
+              <a:cs typeface="Varela Round"/>
+              <a:sym typeface="Varela Round"/>
+            </a:endParaRPr>
+          </a:p>
+          <a:p>
+            <a:pPr marL="0" lvl="0" indent="0" rtl="0">
+              <a:lnSpc>
+                <a:spcPct val="150000"/>
+              </a:lnSpc>
+              <a:spcBef>
+                <a:spcPts val="600"/>
+              </a:spcBef>
+              <a:buNone/>
+            </a:pPr>
+            <a:endParaRPr sz="1300" dirty="0">
+              <a:solidFill>
+                <a:srgbClr val="617A86"/>
+              </a:solidFill>
+              <a:latin typeface="Varela Round"/>
+              <a:ea typeface="Varela Round"/>
+              <a:cs typeface="Varela Round"/>
+              <a:sym typeface="Varela Round"/>
+            </a:endParaRPr>
+          </a:p>
+        </p:txBody>
+      </p:sp>
+      <p:sp>
+        <p:nvSpPr>
+          <p:cNvPr id="4" name="Shape 190">
+            <a:extLst>
+              <a:ext uri="{FF2B5EF4-FFF2-40B4-BE49-F238E27FC236}">
+                <a16:creationId xmlns:a16="http://schemas.microsoft.com/office/drawing/2014/main" id="{C8D72F41-A787-4115-8196-98EF98A81359}"/>
+              </a:ext>
+            </a:extLst>
+          </p:cNvPr>
+          <p:cNvSpPr txBox="1"/>
+          <p:nvPr/>
+        </p:nvSpPr>
+        <p:spPr>
+          <a:xfrm>
+            <a:off x="6407425" y="2187022"/>
+            <a:ext cx="4760843" cy="2026754"/>
+          </a:xfrm>
+          <a:prstGeom prst="rect">
+            <a:avLst/>
+          </a:prstGeom>
+          <a:noFill/>
+          <a:ln>
+            <a:noFill/>
+          </a:ln>
+        </p:spPr>
+        <p:txBody>
+          <a:bodyPr wrap="square" lIns="91425" tIns="91425" rIns="91425" bIns="91425" anchor="t" anchorCtr="0">
+            <a:noAutofit/>
+          </a:bodyPr>
+          <a:lstStyle/>
+          <a:p>
+            <a:pPr marL="0" lvl="0" indent="0" rtl="0">
+              <a:lnSpc>
+                <a:spcPct val="150000"/>
+              </a:lnSpc>
+              <a:spcBef>
+                <a:spcPts val="600"/>
+              </a:spcBef>
+              <a:buNone/>
+            </a:pPr>
+            <a:r>
+              <a:rPr lang="en-US" sz="2400" b="1">
+                <a:solidFill>
+                  <a:srgbClr val="E8004C"/>
+                </a:solidFill>
+                <a:latin typeface="Varela Round"/>
+                <a:ea typeface="Varela Round"/>
+                <a:cs typeface="Varela Round"/>
+                <a:sym typeface="Varela Round"/>
+              </a:rPr>
+              <a:t>Ng</a:t>
+            </a:r>
+            <a:r>
+              <a:rPr lang="vi-VN" sz="2400" b="1">
+                <a:solidFill>
+                  <a:srgbClr val="E8004C"/>
+                </a:solidFill>
+                <a:latin typeface="Varela Round"/>
+                <a:ea typeface="Varela Round"/>
+                <a:cs typeface="Varela Round"/>
+                <a:sym typeface="Varela Round"/>
+              </a:rPr>
+              <a:t>ư</a:t>
+            </a:r>
+            <a:r>
+              <a:rPr lang="en-US" sz="2400" b="1">
+                <a:solidFill>
+                  <a:srgbClr val="E8004C"/>
+                </a:solidFill>
+                <a:latin typeface="Varela Round"/>
+                <a:ea typeface="Varela Round"/>
+                <a:cs typeface="Varela Round"/>
+                <a:sym typeface="Varela Round"/>
+              </a:rPr>
+              <a:t>ời dùng</a:t>
+            </a:r>
+            <a:endParaRPr lang="en" sz="1050" b="1" dirty="0">
+              <a:solidFill>
+                <a:srgbClr val="E8004C"/>
+              </a:solidFill>
+              <a:latin typeface="Varela Round"/>
+              <a:ea typeface="Varela Round"/>
+              <a:cs typeface="Varela Round"/>
+              <a:sym typeface="Varela Round"/>
+            </a:endParaRPr>
+          </a:p>
+          <a:p>
+            <a:pPr lvl="0">
+              <a:spcBef>
+                <a:spcPts val="600"/>
+              </a:spcBef>
+            </a:pPr>
+            <a:r>
+              <a:rPr lang="en-US">
+                <a:solidFill>
+                  <a:srgbClr val="617A86"/>
+                </a:solidFill>
+                <a:latin typeface="Varela Round"/>
+                <a:cs typeface="Varela Round"/>
+                <a:sym typeface="Varela Round"/>
+              </a:rPr>
+              <a:t>-  Giáo viên có thể xem lịch dạy, tình hình giảng dạy, nhập điểm và nhận xét học viên</a:t>
+            </a:r>
+          </a:p>
+          <a:p>
+            <a:pPr lvl="0">
+              <a:spcBef>
+                <a:spcPts val="600"/>
+              </a:spcBef>
+            </a:pPr>
+            <a:r>
+              <a:rPr lang="en-US">
+                <a:solidFill>
+                  <a:srgbClr val="617A86"/>
+                </a:solidFill>
+                <a:latin typeface="Varela Round"/>
+                <a:cs typeface="Varela Round"/>
+                <a:sym typeface="Varela Round"/>
+              </a:rPr>
+              <a:t>-  Học viên đăng ký học xong sẽ có thể xem lịch học, lịch thi</a:t>
+            </a:r>
+            <a:endParaRPr lang="vi-VN" sz="1300" dirty="0">
+              <a:solidFill>
+                <a:srgbClr val="617A86"/>
+              </a:solidFill>
+              <a:latin typeface="Varela Round"/>
+              <a:cs typeface="Varela Round"/>
+              <a:sym typeface="Varela Round"/>
+            </a:endParaRPr>
+          </a:p>
+          <a:p>
+            <a:pPr marL="457200" lvl="0" indent="-381000">
+              <a:buClr>
+                <a:srgbClr val="A1BECC"/>
+              </a:buClr>
+              <a:buSzPts val="2400"/>
+              <a:buFont typeface="Varela Round"/>
+              <a:buChar char="◎"/>
+            </a:pPr>
+            <a:endParaRPr lang="en" sz="1300" dirty="0">
+              <a:solidFill>
+                <a:srgbClr val="617A86"/>
+              </a:solidFill>
+              <a:latin typeface="Varela Round"/>
+              <a:cs typeface="Varela Round"/>
+              <a:sym typeface="Varela Round"/>
+            </a:endParaRPr>
+          </a:p>
+          <a:p>
+            <a:pPr marL="0" lvl="0" indent="0" rtl="0">
+              <a:lnSpc>
+                <a:spcPct val="150000"/>
+              </a:lnSpc>
+              <a:spcBef>
+                <a:spcPts val="600"/>
+              </a:spcBef>
+              <a:buNone/>
+            </a:pPr>
+            <a:endParaRPr sz="1300" dirty="0">
+              <a:solidFill>
+                <a:srgbClr val="617A86"/>
+              </a:solidFill>
+              <a:latin typeface="Varela Round"/>
+              <a:ea typeface="Varela Round"/>
+              <a:cs typeface="Varela Round"/>
+              <a:sym typeface="Varela Round"/>
+            </a:endParaRPr>
+          </a:p>
+        </p:txBody>
+      </p:sp>
+      <p:sp>
+        <p:nvSpPr>
+          <p:cNvPr id="5" name="TextBox 4">
+            <a:extLst>
+              <a:ext uri="{FF2B5EF4-FFF2-40B4-BE49-F238E27FC236}">
+                <a16:creationId xmlns:a16="http://schemas.microsoft.com/office/drawing/2014/main" id="{99D78DE3-1CD5-4A75-971A-7C2042BD85CA}"/>
+              </a:ext>
+            </a:extLst>
+          </p:cNvPr>
+          <p:cNvSpPr txBox="1"/>
+          <p:nvPr/>
+        </p:nvSpPr>
+        <p:spPr>
+          <a:xfrm>
+            <a:off x="1480930" y="1484244"/>
+            <a:ext cx="3962400" cy="400110"/>
+          </a:xfrm>
+          <a:prstGeom prst="rect">
+            <a:avLst/>
+          </a:prstGeom>
+          <a:noFill/>
         </p:spPr>
         <p:txBody>
           <a:bodyPr wrap="square" rtlCol="0">
@@ -9077,27 +8922,7 @@
                 <a:latin typeface="Times New Roman" panose="02020603050405020304" pitchFamily="18" charset="0"/>
                 <a:cs typeface="Times New Roman" panose="02020603050405020304" pitchFamily="18" charset="0"/>
               </a:rPr>
-              <a:t>H</a:t>
-            </a:r>
-            <a:r>
-              <a:rPr lang="vi-VN" sz="2000">
-                <a:solidFill>
-                  <a:srgbClr val="617A86"/>
-                </a:solidFill>
-                <a:latin typeface="Times New Roman" panose="02020603050405020304" pitchFamily="18" charset="0"/>
-                <a:cs typeface="Times New Roman" panose="02020603050405020304" pitchFamily="18" charset="0"/>
-              </a:rPr>
-              <a:t>Ư</a:t>
-            </a:r>
-            <a:r>
-              <a:rPr lang="en-US" sz="2000">
-                <a:solidFill>
-                  <a:srgbClr val="617A86"/>
-                </a:solidFill>
-                <a:latin typeface="Times New Roman" panose="02020603050405020304" pitchFamily="18" charset="0"/>
-                <a:cs typeface="Times New Roman" panose="02020603050405020304" pitchFamily="18" charset="0"/>
-              </a:rPr>
-              <a:t>ỚNG PHÁT TRIỂN</a:t>
+              <a:t>TÍNH NĂNG NỔI BẬT</a:t>
             </a:r>
           </a:p>
         </p:txBody>
@@ -9105,7 +8930,7 @@
     </p:spTree>
     <p:extLst>
       <p:ext uri="{BB962C8B-B14F-4D97-AF65-F5344CB8AC3E}">
-        <p14:creationId xmlns:p14="http://schemas.microsoft.com/office/powerpoint/2010/main" val="1841589138"/>
+        <p14:creationId xmlns:p14="http://schemas.microsoft.com/office/powerpoint/2010/main" val="3308313466"/>
       </p:ext>
     </p:extLst>
   </p:cSld>
@@ -9158,7 +8983,7 @@
         </p:nvSpPr>
         <p:spPr>
           <a:xfrm>
-            <a:off x="4003962" y="1422122"/>
+            <a:off x="3924449" y="1157079"/>
             <a:ext cx="457200" cy="457200"/>
           </a:xfrm>
           <a:prstGeom prst="rect">
@@ -9225,7 +9050,7 @@
         </p:nvSpPr>
         <p:spPr>
           <a:xfrm>
-            <a:off x="3997035" y="2033454"/>
+            <a:off x="3908286" y="1782469"/>
             <a:ext cx="457200" cy="457200"/>
           </a:xfrm>
           <a:prstGeom prst="rect">
@@ -9292,7 +9117,7 @@
         </p:nvSpPr>
         <p:spPr>
           <a:xfrm>
-            <a:off x="3997035" y="3940763"/>
+            <a:off x="3908286" y="3669495"/>
             <a:ext cx="457200" cy="457200"/>
           </a:xfrm>
           <a:prstGeom prst="rect">
@@ -9359,7 +9184,7 @@
         </p:nvSpPr>
         <p:spPr>
           <a:xfrm>
-            <a:off x="3987799" y="3327122"/>
+            <a:off x="3908286" y="3035575"/>
             <a:ext cx="457200" cy="457200"/>
           </a:xfrm>
           <a:prstGeom prst="rect">
@@ -9426,7 +9251,7 @@
         </p:nvSpPr>
         <p:spPr>
           <a:xfrm>
-            <a:off x="3987799" y="2675381"/>
+            <a:off x="3908286" y="2410163"/>
             <a:ext cx="457200" cy="457200"/>
           </a:xfrm>
           <a:prstGeom prst="rect">
@@ -9493,14 +9318,14 @@
         </p:nvSpPr>
         <p:spPr>
           <a:xfrm>
-            <a:off x="3987799" y="4575763"/>
+            <a:off x="3908286" y="4298269"/>
             <a:ext cx="457200" cy="457200"/>
           </a:xfrm>
           <a:prstGeom prst="rect">
             <a:avLst/>
           </a:prstGeom>
           <a:solidFill>
-            <a:srgbClr val="22B7CB"/>
+            <a:srgbClr val="00B050"/>
           </a:solidFill>
           <a:ln>
             <a:solidFill>
@@ -9560,7 +9385,7 @@
         </p:nvSpPr>
         <p:spPr>
           <a:xfrm>
-            <a:off x="4908426" y="1430934"/>
+            <a:off x="4828913" y="1164941"/>
             <a:ext cx="3657600" cy="461665"/>
           </a:xfrm>
           <a:prstGeom prst="rect">
@@ -9606,7 +9431,7 @@
         </p:nvSpPr>
         <p:spPr>
           <a:xfrm>
-            <a:off x="4908426" y="2050636"/>
+            <a:off x="4828913" y="1755752"/>
             <a:ext cx="3657600" cy="461665"/>
           </a:xfrm>
           <a:prstGeom prst="rect">
@@ -9652,7 +9477,7 @@
         </p:nvSpPr>
         <p:spPr>
           <a:xfrm>
-            <a:off x="4908426" y="2697621"/>
+            <a:off x="4828913" y="2440192"/>
             <a:ext cx="3657600" cy="461665"/>
           </a:xfrm>
           <a:prstGeom prst="rect">
@@ -9698,7 +9523,7 @@
         </p:nvSpPr>
         <p:spPr>
           <a:xfrm>
-            <a:off x="4929810" y="3346615"/>
+            <a:off x="4828913" y="3052638"/>
             <a:ext cx="5486400" cy="461665"/>
           </a:xfrm>
           <a:prstGeom prst="rect">
@@ -9744,7 +9569,7 @@
         </p:nvSpPr>
         <p:spPr>
           <a:xfrm>
-            <a:off x="4929810" y="3940763"/>
+            <a:off x="4828913" y="3679446"/>
             <a:ext cx="3657600" cy="461665"/>
           </a:xfrm>
           <a:prstGeom prst="rect">
@@ -9790,7 +9615,146 @@
         </p:nvSpPr>
         <p:spPr>
           <a:xfrm>
-            <a:off x="4929810" y="4571298"/>
+            <a:off x="4853208" y="4293804"/>
+            <a:ext cx="3657600" cy="461665"/>
+          </a:xfrm>
+          <a:prstGeom prst="rect">
+            <a:avLst/>
+          </a:prstGeom>
+          <a:noFill/>
+        </p:spPr>
+        <p:txBody>
+          <a:bodyPr wrap="square" rtlCol="0">
+            <a:spAutoFit/>
+          </a:bodyPr>
+          <a:lstStyle/>
+          <a:p>
+            <a:r>
+              <a:rPr lang="en-US" sz="2400">
+                <a:solidFill>
+                  <a:srgbClr val="617A86"/>
+                </a:solidFill>
+                <a:latin typeface="Times New Roman" panose="02020603050405020304" pitchFamily="18" charset="0"/>
+                <a:cs typeface="Times New Roman" panose="02020603050405020304" pitchFamily="18" charset="0"/>
+                <a:sym typeface="Nixie One"/>
+              </a:rPr>
+              <a:t>Demo ch</a:t>
+            </a:r>
+            <a:r>
+              <a:rPr lang="vi-VN" sz="2400">
+                <a:solidFill>
+                  <a:srgbClr val="617A86"/>
+                </a:solidFill>
+                <a:latin typeface="Times New Roman" panose="02020603050405020304" pitchFamily="18" charset="0"/>
+                <a:cs typeface="Times New Roman" panose="02020603050405020304" pitchFamily="18" charset="0"/>
+                <a:sym typeface="Nixie One"/>
+              </a:rPr>
+              <a:t>ư</a:t>
+            </a:r>
+            <a:r>
+              <a:rPr lang="en-US" sz="2400">
+                <a:solidFill>
+                  <a:srgbClr val="617A86"/>
+                </a:solidFill>
+                <a:latin typeface="Times New Roman" panose="02020603050405020304" pitchFamily="18" charset="0"/>
+                <a:cs typeface="Times New Roman" panose="02020603050405020304" pitchFamily="18" charset="0"/>
+                <a:sym typeface="Nixie One"/>
+              </a:rPr>
+              <a:t>ơng trình</a:t>
+            </a:r>
+            <a:endParaRPr lang="en-US" sz="2400" dirty="0">
+              <a:latin typeface="Times New Roman" panose="02020603050405020304" pitchFamily="18" charset="0"/>
+              <a:cs typeface="Times New Roman" panose="02020603050405020304" pitchFamily="18" charset="0"/>
+            </a:endParaRPr>
+          </a:p>
+        </p:txBody>
+      </p:sp>
+      <p:sp>
+        <p:nvSpPr>
+          <p:cNvPr id="22" name="Rectangle 21">
+            <a:extLst>
+              <a:ext uri="{FF2B5EF4-FFF2-40B4-BE49-F238E27FC236}">
+                <a16:creationId xmlns:a16="http://schemas.microsoft.com/office/drawing/2014/main" id="{E1678A7A-3366-4616-9A6A-B4FB0CD44601}"/>
+              </a:ext>
+            </a:extLst>
+          </p:cNvPr>
+          <p:cNvSpPr/>
+          <p:nvPr/>
+        </p:nvSpPr>
+        <p:spPr>
+          <a:xfrm>
+            <a:off x="3908286" y="4924361"/>
+            <a:ext cx="457200" cy="457200"/>
+          </a:xfrm>
+          <a:prstGeom prst="rect">
+            <a:avLst/>
+          </a:prstGeom>
+          <a:solidFill>
+            <a:srgbClr val="0070C0"/>
+          </a:solidFill>
+          <a:ln>
+            <a:solidFill>
+              <a:srgbClr val="22B7CB"/>
+            </a:solidFill>
+          </a:ln>
+          <a:effectLst>
+            <a:outerShdw blurRad="63500" sx="102000" sy="102000" algn="ctr" rotWithShape="0">
+              <a:prstClr val="black">
+                <a:alpha val="40000"/>
+              </a:prstClr>
+            </a:outerShdw>
+          </a:effectLst>
+        </p:spPr>
+        <p:style>
+          <a:lnRef idx="2">
+            <a:schemeClr val="accent5">
+              <a:shade val="50000"/>
+            </a:schemeClr>
+          </a:lnRef>
+          <a:fillRef idx="1">
+            <a:schemeClr val="accent5"/>
+          </a:fillRef>
+          <a:effectRef idx="0">
+            <a:schemeClr val="accent5"/>
+          </a:effectRef>
+          <a:fontRef idx="minor">
+            <a:schemeClr val="lt1"/>
+          </a:fontRef>
+        </p:style>
+        <p:txBody>
+          <a:bodyPr rtlCol="0" anchor="ctr"/>
+          <a:lstStyle/>
+          <a:p>
+            <a:pPr algn="ctr"/>
+            <a:r>
+              <a:rPr lang="en-US" sz="2000" b="1">
+                <a:latin typeface="Times New Roman" panose="02020603050405020304" pitchFamily="18" charset="0"/>
+                <a:cs typeface="Times New Roman" panose="02020603050405020304" pitchFamily="18" charset="0"/>
+              </a:rPr>
+              <a:t>07</a:t>
+            </a:r>
+            <a:endParaRPr lang="en-US" sz="2000" b="1" dirty="0">
+              <a:latin typeface="Times New Roman" panose="02020603050405020304" pitchFamily="18" charset="0"/>
+              <a:cs typeface="Times New Roman" panose="02020603050405020304" pitchFamily="18" charset="0"/>
+            </a:endParaRPr>
+          </a:p>
+        </p:txBody>
+      </p:sp>
+      <p:sp>
+        <p:nvSpPr>
+          <p:cNvPr id="23" name="TextBox 22">
+            <a:extLst>
+              <a:ext uri="{FF2B5EF4-FFF2-40B4-BE49-F238E27FC236}">
+                <a16:creationId xmlns:a16="http://schemas.microsoft.com/office/drawing/2014/main" id="{D55D92FE-2BF5-47E7-827F-EA289E065DAE}"/>
+              </a:ext>
+            </a:extLst>
+          </p:cNvPr>
+          <p:cNvSpPr txBox="1"/>
+          <p:nvPr/>
+        </p:nvSpPr>
+        <p:spPr>
+          <a:xfrm>
+            <a:off x="4828913" y="4908162"/>
             <a:ext cx="3657600" cy="461665"/>
           </a:xfrm>
           <a:prstGeom prst="rect">
@@ -9848,6 +9812,289 @@
 </file>
 
 <file path=ppt/slides/slide20.xml><?xml version="1.0" encoding="utf-8"?>
+<p:sld xmlns:a="http://schemas.openxmlformats.org/drawingml/2006/main" xmlns:r="http://schemas.openxmlformats.org/officeDocument/2006/relationships" xmlns:p="http://schemas.openxmlformats.org/presentationml/2006/main">
+  <p:cSld>
+    <p:spTree>
+      <p:nvGrpSpPr>
+        <p:cNvPr id="1" name=""/>
+        <p:cNvGrpSpPr/>
+        <p:nvPr/>
+      </p:nvGrpSpPr>
+      <p:grpSpPr>
+        <a:xfrm>
+          <a:off x="0" y="0"/>
+          <a:ext cx="0" cy="0"/>
+          <a:chOff x="0" y="0"/>
+          <a:chExt cx="0" cy="0"/>
+        </a:xfrm>
+      </p:grpSpPr>
+      <p:sp>
+        <p:nvSpPr>
+          <p:cNvPr id="3" name="TextBox 2">
+            <a:extLst>
+              <a:ext uri="{FF2B5EF4-FFF2-40B4-BE49-F238E27FC236}">
+                <a16:creationId xmlns:a16="http://schemas.microsoft.com/office/drawing/2014/main" id="{0B322055-FCAE-4B5B-B8EC-BD7F1BFC063F}"/>
+              </a:ext>
+            </a:extLst>
+          </p:cNvPr>
+          <p:cNvSpPr txBox="1"/>
+          <p:nvPr/>
+        </p:nvSpPr>
+        <p:spPr>
+          <a:xfrm>
+            <a:off x="1480930" y="1974574"/>
+            <a:ext cx="8719930" cy="1891287"/>
+          </a:xfrm>
+          <a:prstGeom prst="rect">
+            <a:avLst/>
+          </a:prstGeom>
+          <a:noFill/>
+        </p:spPr>
+        <p:txBody>
+          <a:bodyPr wrap="square" rtlCol="0">
+            <a:spAutoFit/>
+          </a:bodyPr>
+          <a:lstStyle/>
+          <a:p>
+            <a:pPr marL="285750" indent="-285750">
+              <a:lnSpc>
+                <a:spcPct val="150000"/>
+              </a:lnSpc>
+              <a:buFontTx/>
+              <a:buChar char="-"/>
+            </a:pPr>
+            <a:r>
+              <a:rPr lang="en-US" sz="2000">
+                <a:solidFill>
+                  <a:srgbClr val="617A86"/>
+                </a:solidFill>
+                <a:latin typeface="Varela Round"/>
+              </a:rPr>
+              <a:t>Tối </a:t>
+            </a:r>
+            <a:r>
+              <a:rPr lang="vi-VN" sz="2000">
+                <a:solidFill>
+                  <a:srgbClr val="617A86"/>
+                </a:solidFill>
+                <a:latin typeface="Varela Round"/>
+              </a:rPr>
+              <a:t>ư</a:t>
+            </a:r>
+            <a:r>
+              <a:rPr lang="en-US" sz="2000">
+                <a:solidFill>
+                  <a:srgbClr val="617A86"/>
+                </a:solidFill>
+                <a:latin typeface="Varela Round"/>
+              </a:rPr>
+              <a:t>u hiển thị cho các thiết bị di động</a:t>
+            </a:r>
+          </a:p>
+          <a:p>
+            <a:pPr marL="285750" indent="-285750">
+              <a:lnSpc>
+                <a:spcPct val="150000"/>
+              </a:lnSpc>
+              <a:buFontTx/>
+              <a:buChar char="-"/>
+            </a:pPr>
+            <a:r>
+              <a:rPr lang="en-US" sz="2000">
+                <a:solidFill>
+                  <a:srgbClr val="617A86"/>
+                </a:solidFill>
+                <a:latin typeface="Varela Round"/>
+              </a:rPr>
+              <a:t>Tích hợp tính năng thanh toán trực tuyến</a:t>
+            </a:r>
+          </a:p>
+          <a:p>
+            <a:pPr marL="285750" indent="-285750">
+              <a:lnSpc>
+                <a:spcPct val="150000"/>
+              </a:lnSpc>
+              <a:buFontTx/>
+              <a:buChar char="-"/>
+            </a:pPr>
+            <a:r>
+              <a:rPr lang="en-US" sz="2000">
+                <a:solidFill>
+                  <a:srgbClr val="617A86"/>
+                </a:solidFill>
+                <a:latin typeface="Varela Round"/>
+              </a:rPr>
+              <a:t>Thêm chức năng cho ng</a:t>
+            </a:r>
+            <a:r>
+              <a:rPr lang="vi-VN" sz="2000">
+                <a:solidFill>
+                  <a:srgbClr val="617A86"/>
+                </a:solidFill>
+                <a:latin typeface="Varela Round"/>
+              </a:rPr>
+              <a:t>ư</a:t>
+            </a:r>
+            <a:r>
+              <a:rPr lang="en-US" sz="2000">
+                <a:solidFill>
+                  <a:srgbClr val="617A86"/>
+                </a:solidFill>
+                <a:latin typeface="Varela Round"/>
+              </a:rPr>
+              <a:t>ời dùng phụ huynh</a:t>
+            </a:r>
+          </a:p>
+          <a:p>
+            <a:pPr marL="285750" indent="-285750">
+              <a:lnSpc>
+                <a:spcPct val="150000"/>
+              </a:lnSpc>
+              <a:buFontTx/>
+              <a:buChar char="-"/>
+            </a:pPr>
+            <a:r>
+              <a:rPr lang="en-US" sz="2000">
+                <a:solidFill>
+                  <a:srgbClr val="617A86"/>
+                </a:solidFill>
+                <a:latin typeface="Varela Round"/>
+              </a:rPr>
+              <a:t>Tích hợp tính năng làm bài kiểm tra trực tuyến cho học viên</a:t>
+            </a:r>
+          </a:p>
+        </p:txBody>
+      </p:sp>
+      <p:sp>
+        <p:nvSpPr>
+          <p:cNvPr id="6" name="Title 1">
+            <a:extLst>
+              <a:ext uri="{FF2B5EF4-FFF2-40B4-BE49-F238E27FC236}">
+                <a16:creationId xmlns:a16="http://schemas.microsoft.com/office/drawing/2014/main" id="{DF87A602-7957-4F2F-B8EE-D7B8C32B7900}"/>
+              </a:ext>
+            </a:extLst>
+          </p:cNvPr>
+          <p:cNvSpPr>
+            <a:spLocks noGrp="1"/>
+          </p:cNvSpPr>
+          <p:nvPr>
+            <p:ph type="title"/>
+          </p:nvPr>
+        </p:nvSpPr>
+        <p:spPr>
+          <a:xfrm>
+            <a:off x="1480930" y="618518"/>
+            <a:ext cx="5449957" cy="865726"/>
+          </a:xfrm>
+        </p:spPr>
+        <p:txBody>
+          <a:bodyPr>
+            <a:normAutofit/>
+          </a:bodyPr>
+          <a:lstStyle/>
+          <a:p>
+            <a:pPr algn="l"/>
+            <a:r>
+              <a:rPr lang="en-US" sz="3200">
+                <a:solidFill>
+                  <a:srgbClr val="617A86"/>
+                </a:solidFill>
+                <a:latin typeface="Times New Roman" panose="02020603050405020304" pitchFamily="18" charset="0"/>
+                <a:ea typeface="+mn-ea"/>
+                <a:cs typeface="Times New Roman" panose="02020603050405020304" pitchFamily="18" charset="0"/>
+              </a:rPr>
+              <a:t>Tổng kết – đánh giá</a:t>
+            </a:r>
+          </a:p>
+        </p:txBody>
+      </p:sp>
+      <p:sp>
+        <p:nvSpPr>
+          <p:cNvPr id="7" name="TextBox 6">
+            <a:extLst>
+              <a:ext uri="{FF2B5EF4-FFF2-40B4-BE49-F238E27FC236}">
+                <a16:creationId xmlns:a16="http://schemas.microsoft.com/office/drawing/2014/main" id="{589E842D-432A-48B2-8386-18A64BF6D126}"/>
+              </a:ext>
+            </a:extLst>
+          </p:cNvPr>
+          <p:cNvSpPr txBox="1"/>
+          <p:nvPr/>
+        </p:nvSpPr>
+        <p:spPr>
+          <a:xfrm>
+            <a:off x="1480930" y="1484244"/>
+            <a:ext cx="3962400" cy="400110"/>
+          </a:xfrm>
+          <a:prstGeom prst="rect">
+            <a:avLst/>
+          </a:prstGeom>
+          <a:noFill/>
+        </p:spPr>
+        <p:txBody>
+          <a:bodyPr wrap="square" rtlCol="0">
+            <a:spAutoFit/>
+          </a:bodyPr>
+          <a:lstStyle/>
+          <a:p>
+            <a:r>
+              <a:rPr lang="en-US" sz="2000">
+                <a:solidFill>
+                  <a:srgbClr val="617A86"/>
+                </a:solidFill>
+                <a:latin typeface="Times New Roman" panose="02020603050405020304" pitchFamily="18" charset="0"/>
+                <a:cs typeface="Times New Roman" panose="02020603050405020304" pitchFamily="18" charset="0"/>
+              </a:rPr>
+              <a:t>H</a:t>
+            </a:r>
+            <a:r>
+              <a:rPr lang="vi-VN" sz="2000">
+                <a:solidFill>
+                  <a:srgbClr val="617A86"/>
+                </a:solidFill>
+                <a:latin typeface="Times New Roman" panose="02020603050405020304" pitchFamily="18" charset="0"/>
+                <a:cs typeface="Times New Roman" panose="02020603050405020304" pitchFamily="18" charset="0"/>
+              </a:rPr>
+              <a:t>Ư</a:t>
+            </a:r>
+            <a:r>
+              <a:rPr lang="en-US" sz="2000">
+                <a:solidFill>
+                  <a:srgbClr val="617A86"/>
+                </a:solidFill>
+                <a:latin typeface="Times New Roman" panose="02020603050405020304" pitchFamily="18" charset="0"/>
+                <a:cs typeface="Times New Roman" panose="02020603050405020304" pitchFamily="18" charset="0"/>
+              </a:rPr>
+              <a:t>ỚNG PHÁT TRIỂN</a:t>
+            </a:r>
+          </a:p>
+        </p:txBody>
+      </p:sp>
+    </p:spTree>
+    <p:extLst>
+      <p:ext uri="{BB962C8B-B14F-4D97-AF65-F5344CB8AC3E}">
+        <p14:creationId xmlns:p14="http://schemas.microsoft.com/office/powerpoint/2010/main" val="1841589138"/>
+      </p:ext>
+    </p:extLst>
+  </p:cSld>
+  <p:clrMapOvr>
+    <a:masterClrMapping/>
+  </p:clrMapOvr>
+  <mc:AlternateContent xmlns:mc="http://schemas.openxmlformats.org/markup-compatibility/2006" xmlns:p14="http://schemas.microsoft.com/office/powerpoint/2010/main">
+    <mc:Choice Requires="p14">
+      <p:transition spd="slow">
+        <p14:reveal/>
+      </p:transition>
+    </mc:Choice>
+    <mc:Fallback xmlns="">
+      <p:transition spd="slow">
+        <p:fade/>
+      </p:transition>
+    </mc:Fallback>
+  </mc:AlternateContent>
+</p:sld>
+</file>
+
+<file path=ppt/slides/slide21.xml><?xml version="1.0" encoding="utf-8"?>
 <p:sld xmlns:a="http://schemas.openxmlformats.org/drawingml/2006/main" xmlns:r="http://schemas.openxmlformats.org/officeDocument/2006/relationships" xmlns:p="http://schemas.openxmlformats.org/presentationml/2006/main">
   <p:cSld>
     <p:spTree>
@@ -12211,7 +12458,7 @@
                 <a:cs typeface="Times New Roman" panose="02020603050405020304" pitchFamily="18" charset="0"/>
                 <a:sym typeface="Varela Round"/>
               </a:rPr>
-              <a:t>ời dung (học viên, giáo viên, quản trị viên)</a:t>
+              <a:t>ời dùng (học viên, giáo viên, quản trị viên)</a:t>
             </a:r>
             <a:endParaRPr lang="en" sz="2000" b="1">
               <a:solidFill>
@@ -12983,18 +13230,20 @@
       </p:sp>
       <p:pic>
         <p:nvPicPr>
-          <p:cNvPr id="6" name="Picture 5">
+          <p:cNvPr id="1026" name="Picture 2" descr="https://scontent.fsgn5-2.fna.fbcdn.net/v/t1.15752-9/35646452_1501438323294038_6459353238037594112_n.png?_nc_cat=0&amp;oh=0493dfa463ef477f39b4d5e525464a72&amp;oe=5BAB0AB7">
             <a:extLst>
               <a:ext uri="{FF2B5EF4-FFF2-40B4-BE49-F238E27FC236}">
-                <a16:creationId xmlns:a16="http://schemas.microsoft.com/office/drawing/2014/main" id="{DEAF3336-14D0-406E-AF10-D1AC24C80737}"/>
+                <a16:creationId xmlns:a16="http://schemas.microsoft.com/office/drawing/2014/main" id="{5C110987-8C1C-4633-8199-AC570F70F916}"/>
               </a:ext>
             </a:extLst>
           </p:cNvPr>
-          <p:cNvPicPr/>
+          <p:cNvPicPr>
+            <a:picLocks noChangeAspect="1" noChangeArrowheads="1"/>
+          </p:cNvPicPr>
           <p:nvPr/>
         </p:nvPicPr>
         <p:blipFill>
-          <a:blip r:embed="rId2" cstate="print">
+          <a:blip r:embed="rId2">
             <a:extLst>
               <a:ext uri="{28A0092B-C50C-407E-A947-70E740481C1C}">
                 <a14:useLocalDpi xmlns:a14="http://schemas.microsoft.com/office/drawing/2010/main" val="0"/>
@@ -13008,16 +13257,22 @@
         </p:blipFill>
         <p:spPr bwMode="auto">
           <a:xfrm>
-            <a:off x="4523064" y="1484244"/>
-            <a:ext cx="6188006" cy="5235374"/>
+            <a:off x="4507258" y="1484244"/>
+            <a:ext cx="6467502" cy="5247861"/>
           </a:xfrm>
           <a:prstGeom prst="rect">
             <a:avLst/>
           </a:prstGeom>
           <a:noFill/>
-          <a:ln>
-            <a:noFill/>
-          </a:ln>
+          <a:extLst>
+            <a:ext uri="{909E8E84-426E-40DD-AFC4-6F175D3DCCD1}">
+              <a14:hiddenFill xmlns:a14="http://schemas.microsoft.com/office/drawing/2010/main">
+                <a:solidFill>
+                  <a:srgbClr val="FFFFFF"/>
+                </a:solidFill>
+              </a14:hiddenFill>
+            </a:ext>
+          </a:extLst>
         </p:spPr>
       </p:pic>
     </p:spTree>

--- a/XÂY DỰNG HỆ THỐNG QUẢN LÍ THÔNG TIN.pptx
+++ b/XÂY DỰNG HỆ THỐNG QUẢN LÍ THÔNG TIN.pptx
@@ -12,8 +12,8 @@
     <p:sldId id="260" r:id="rId6"/>
     <p:sldId id="261" r:id="rId7"/>
     <p:sldId id="279" r:id="rId8"/>
-    <p:sldId id="262" r:id="rId9"/>
-    <p:sldId id="270" r:id="rId10"/>
+    <p:sldId id="270" r:id="rId9"/>
+    <p:sldId id="262" r:id="rId10"/>
     <p:sldId id="264" r:id="rId11"/>
     <p:sldId id="265" r:id="rId12"/>
     <p:sldId id="266" r:id="rId13"/>
@@ -9477,7 +9477,7 @@
         </p:nvSpPr>
         <p:spPr>
           <a:xfrm>
-            <a:off x="4828913" y="2440192"/>
+            <a:off x="4828913" y="3088635"/>
             <a:ext cx="3657600" cy="461665"/>
           </a:xfrm>
           <a:prstGeom prst="rect">
@@ -9523,7 +9523,7 @@
         </p:nvSpPr>
         <p:spPr>
           <a:xfrm>
-            <a:off x="4828913" y="3052638"/>
+            <a:off x="4828913" y="2422193"/>
             <a:ext cx="5486400" cy="461665"/>
           </a:xfrm>
           <a:prstGeom prst="rect">
@@ -13355,23 +13355,21 @@
                 <a:ea typeface="+mn-ea"/>
                 <a:cs typeface="Times New Roman" panose="02020603050405020304" pitchFamily="18" charset="0"/>
               </a:rPr>
-              <a:t>Công nghệ sử dụng</a:t>
+              <a:t>Kiến trúc hệ thống</a:t>
             </a:r>
           </a:p>
         </p:txBody>
       </p:sp>
       <p:pic>
         <p:nvPicPr>
-          <p:cNvPr id="4" name="Picture 3">
+          <p:cNvPr id="5" name="Picture 4">
             <a:extLst>
               <a:ext uri="{FF2B5EF4-FFF2-40B4-BE49-F238E27FC236}">
-                <a16:creationId xmlns:a16="http://schemas.microsoft.com/office/drawing/2014/main" id="{583B2B1C-87AD-4667-A6B1-EB8D8558495A}"/>
+                <a16:creationId xmlns:a16="http://schemas.microsoft.com/office/drawing/2014/main" id="{57A94FB5-34E3-4CD3-9426-06EA7709A66F}"/>
               </a:ext>
             </a:extLst>
           </p:cNvPr>
-          <p:cNvPicPr>
-            <a:picLocks noChangeAspect="1"/>
-          </p:cNvPicPr>
+          <p:cNvPicPr/>
           <p:nvPr/>
         </p:nvPicPr>
         <p:blipFill>
@@ -13388,8 +13386,8 @@
         </p:blipFill>
         <p:spPr>
           <a:xfrm>
-            <a:off x="2286000" y="1709945"/>
-            <a:ext cx="7620000" cy="4286250"/>
+            <a:off x="3314700" y="1484244"/>
+            <a:ext cx="5562600" cy="4762500"/>
           </a:xfrm>
           <a:prstGeom prst="rect">
             <a:avLst/>
@@ -13399,7 +13397,7 @@
     </p:spTree>
     <p:extLst>
       <p:ext uri="{BB962C8B-B14F-4D97-AF65-F5344CB8AC3E}">
-        <p14:creationId xmlns:p14="http://schemas.microsoft.com/office/powerpoint/2010/main" val="3621330048"/>
+        <p14:creationId xmlns:p14="http://schemas.microsoft.com/office/powerpoint/2010/main" val="1098374126"/>
       </p:ext>
     </p:extLst>
   </p:cSld>
@@ -13476,21 +13474,23 @@
                 <a:ea typeface="+mn-ea"/>
                 <a:cs typeface="Times New Roman" panose="02020603050405020304" pitchFamily="18" charset="0"/>
               </a:rPr>
-              <a:t>Kiến trúc hệ thống</a:t>
+              <a:t>Công nghệ sử dụng</a:t>
             </a:r>
           </a:p>
         </p:txBody>
       </p:sp>
       <p:pic>
         <p:nvPicPr>
-          <p:cNvPr id="5" name="Picture 4">
+          <p:cNvPr id="4" name="Picture 3">
             <a:extLst>
               <a:ext uri="{FF2B5EF4-FFF2-40B4-BE49-F238E27FC236}">
-                <a16:creationId xmlns:a16="http://schemas.microsoft.com/office/drawing/2014/main" id="{57A94FB5-34E3-4CD3-9426-06EA7709A66F}"/>
+                <a16:creationId xmlns:a16="http://schemas.microsoft.com/office/drawing/2014/main" id="{583B2B1C-87AD-4667-A6B1-EB8D8558495A}"/>
               </a:ext>
             </a:extLst>
           </p:cNvPr>
-          <p:cNvPicPr/>
+          <p:cNvPicPr>
+            <a:picLocks noChangeAspect="1"/>
+          </p:cNvPicPr>
           <p:nvPr/>
         </p:nvPicPr>
         <p:blipFill>
@@ -13507,8 +13507,8 @@
         </p:blipFill>
         <p:spPr>
           <a:xfrm>
-            <a:off x="3314700" y="1484244"/>
-            <a:ext cx="5562600" cy="4762500"/>
+            <a:off x="2286000" y="1709945"/>
+            <a:ext cx="7620000" cy="4286250"/>
           </a:xfrm>
           <a:prstGeom prst="rect">
             <a:avLst/>
@@ -13518,7 +13518,7 @@
     </p:spTree>
     <p:extLst>
       <p:ext uri="{BB962C8B-B14F-4D97-AF65-F5344CB8AC3E}">
-        <p14:creationId xmlns:p14="http://schemas.microsoft.com/office/powerpoint/2010/main" val="1098374126"/>
+        <p14:creationId xmlns:p14="http://schemas.microsoft.com/office/powerpoint/2010/main" val="3621330048"/>
       </p:ext>
     </p:extLst>
   </p:cSld>
